--- a/generated_ppts/cars.pptx
+++ b/generated_ppts/cars.pptx
@@ -6,11 +6,6 @@
   </p:sldMasterIdLst>
   <p:sldIdLst>
     <p:sldId id="256" r:id="rId7"/>
-    <p:sldId id="257" r:id="rId8"/>
-    <p:sldId id="258" r:id="rId9"/>
-    <p:sldId id="259" r:id="rId10"/>
-    <p:sldId id="260" r:id="rId11"/>
-    <p:sldId id="261" r:id="rId12"/>
   </p:sldIdLst>
   <p:sldSz cx="14630400" cy="8229600" type="screen4x3"/>
   <p:notesSz cx="6858000" cy="9144000"/>
@@ -3086,6 +3081,14 @@
 <file path=ppt/slides/slide1.xml><?xml version="1.0" encoding="utf-8"?>
 <p:sld xmlns:a="http://schemas.openxmlformats.org/drawingml/2006/main" xmlns:p="http://schemas.openxmlformats.org/presentationml/2006/main" xmlns:r="http://schemas.openxmlformats.org/officeDocument/2006/relationships">
   <p:cSld>
+    <p:bg>
+      <p:bgPr>
+        <a:solidFill>
+          <a:srgbClr val="F79797"/>
+        </a:solidFill>
+        <a:effectLst/>
+      </p:bgPr>
+    </p:bg>
     <p:spTree>
       <p:nvGrpSpPr>
         <p:cNvPr id="1" name=""/>
@@ -3100,66 +3103,6 @@
             <a:spLocks noGrp="1"/>
           </p:cNvSpPr>
           <p:nvPr>
-            <p:ph type="ctrTitle"/>
-          </p:nvPr>
-        </p:nvSpPr>
-        <p:spPr/>
-        <p:txBody>
-          <a:bodyPr/>
-          <a:lstStyle/>
-          <a:p>
-            <a:r>
-              <a:t>cars</a:t>
-            </a:r>
-          </a:p>
-        </p:txBody>
-      </p:sp>
-      <p:sp>
-        <p:nvSpPr>
-          <p:cNvPr id="3" name="Subtitle 2"/>
-          <p:cNvSpPr>
-            <a:spLocks noGrp="1"/>
-          </p:cNvSpPr>
-          <p:nvPr>
-            <p:ph type="subTitle" idx="1"/>
-          </p:nvPr>
-        </p:nvSpPr>
-        <p:spPr/>
-        <p:txBody>
-          <a:bodyPr/>
-          <a:lstStyle/>
-          <a:p>
-            <a:r>
-              <a:t>AI-Generated PPT with Images and Structured Information</a:t>
-            </a:r>
-          </a:p>
-        </p:txBody>
-      </p:sp>
-    </p:spTree>
-  </p:cSld>
-  <p:clrMapOvr>
-    <a:masterClrMapping/>
-  </p:clrMapOvr>
-</p:sld>
-</file>
-
-<file path=ppt/slides/slide2.xml><?xml version="1.0" encoding="utf-8"?>
-<p:sld xmlns:a="http://schemas.openxmlformats.org/drawingml/2006/main" xmlns:p="http://schemas.openxmlformats.org/presentationml/2006/main" xmlns:r="http://schemas.openxmlformats.org/officeDocument/2006/relationships">
-  <p:cSld>
-    <p:spTree>
-      <p:nvGrpSpPr>
-        <p:cNvPr id="1" name=""/>
-        <p:cNvGrpSpPr/>
-        <p:nvPr/>
-      </p:nvGrpSpPr>
-      <p:grpSpPr/>
-      <p:sp>
-        <p:nvSpPr>
-          <p:cNvPr id="2" name="Title 1"/>
-          <p:cNvSpPr>
-            <a:spLocks noGrp="1"/>
-          </p:cNvSpPr>
-          <p:nvPr>
             <p:ph type="title"/>
           </p:nvPr>
         </p:nvSpPr>
@@ -3168,589 +3111,160 @@
           <a:bodyPr/>
           <a:lstStyle/>
           <a:p>
-            <a:r>
-              <a:t>cars - Introduction</a:t>
+            <a:pPr>
+              <a:defRPr>
+                <a:solidFill>
+                  <a:srgbClr val="000000"/>
+                </a:solidFill>
+                <a:latin typeface="Times New Roman"/>
+              </a:defRPr>
+            </a:pPr>
+            <a:r>
+              <a:t>models - Cars</a:t>
+            </a:r>
+          </a:p>
+        </p:txBody>
+      </p:sp>
+      <p:sp>
+        <p:nvSpPr>
+          <p:cNvPr id="3" name="TextBox 2"/>
+          <p:cNvSpPr txBox="1"/>
+          <p:nvPr/>
+        </p:nvSpPr>
+        <p:spPr>
+          <a:xfrm>
+            <a:off x="914400" y="1828800"/>
+            <a:ext cx="9144000" cy="3657600"/>
+          </a:xfrm>
+          <a:prstGeom prst="rect">
+            <a:avLst/>
+          </a:prstGeom>
+          <a:noFill/>
+        </p:spPr>
+        <p:txBody>
+          <a:bodyPr wrap="square">
+            <a:spAutoFit/>
+          </a:bodyPr>
+          <a:lstStyle/>
+          <a:p>
+            <a:pPr>
+              <a:defRPr>
+                <a:solidFill>
+                  <a:srgbClr val="000000"/>
+                </a:solidFill>
+                <a:latin typeface="Times New Roman"/>
+              </a:defRPr>
+            </a:pPr>
+            <a:r>
+              <a:t>The model of a car is its design, in the context of the manufacturer's range or series of cars</a:t>
+            </a:r>
+          </a:p>
+          <a:p>
+            <a:r>
+              <a:t>Different models, variants are distinguishable by technology, components, underpinnings, and/or style and appearance.</a:t>
+            </a:r>
+          </a:p>
+          <a:p>
+            <a:r>
+              <a:t>The methods used to categorise cars into models differ significantly between manufacturers</a:t>
+            </a:r>
+          </a:p>
+          <a:p>
+            <a:r>
+              <a:t>Frequently, several different body variants are offered, depending on market demand; and when completing their 'production lifespan', sufficiently successful models are usually followed by a new 'generation' of that model.</a:t>
+            </a:r>
+          </a:p>
+          <a:p>
+            <a:r>
+              <a:t>The name of a model (range or series) is almost always trademarked, so that competing manufacturers cannot also use it (unless the owner permits it, for an agreed licence fee).</a:t>
             </a:r>
           </a:p>
         </p:txBody>
       </p:sp>
       <p:pic>
         <p:nvPicPr>
-          <p:cNvPr id="3" name="Picture 2" descr="image.jpg"/>
+          <p:cNvPr id="4" name="Cars_slide1.mp3">
+            <a:hlinkClick r:id="" action="ppaction://media"/>
+          </p:cNvPr>
+          <p:cNvPicPr>
+            <a:picLocks noChangeAspect="1"/>
+          </p:cNvPicPr>
+          <p:nvPr>
+            <a:videoFile r:link="rId3"/>
+            <p:extLst>
+              <p:ext uri="{DAA4B4D4-6D71-4841-9C94-3DE7FCFB9230}">
+                <p14:media xmlns:p14="http://schemas.microsoft.com/office/powerpoint/2010/main" r:embed="rId2"/>
+              </p:ext>
+            </p:extLst>
+          </p:nvPr>
+        </p:nvPicPr>
+        <p:blipFill>
+          <a:blip r:embed="rId4"/>
+          <a:stretch>
+            <a:fillRect/>
+          </a:stretch>
+        </p:blipFill>
+        <p:spPr>
+          <a:xfrm>
+            <a:off x="914400" y="5486400"/>
+            <a:ext cx="1828800" cy="1828800"/>
+          </a:xfrm>
+          <a:prstGeom prst="rect">
+            <a:avLst/>
+          </a:prstGeom>
+        </p:spPr>
+      </p:pic>
+      <p:pic>
+        <p:nvPicPr>
+          <p:cNvPr id="5" name="Picture 4" descr="image.jpg"/>
           <p:cNvPicPr>
             <a:picLocks noChangeAspect="1"/>
           </p:cNvPicPr>
           <p:nvPr/>
         </p:nvPicPr>
         <p:blipFill>
-          <a:blip r:embed="rId2"/>
+          <a:blip r:embed="rId5"/>
           <a:stretch>
             <a:fillRect/>
           </a:stretch>
         </p:blipFill>
         <p:spPr>
           <a:xfrm>
-            <a:off x="914400" y="1828800"/>
-            <a:ext cx="4572000" cy="3426552"/>
+            <a:off x="10058400" y="1828800"/>
+            <a:ext cx="3657600" cy="2741242"/>
           </a:xfrm>
           <a:prstGeom prst="rect">
             <a:avLst/>
           </a:prstGeom>
         </p:spPr>
       </p:pic>
-      <p:sp>
-        <p:nvSpPr>
-          <p:cNvPr id="4" name="TextBox 3"/>
-          <p:cNvSpPr txBox="1"/>
-          <p:nvPr/>
-        </p:nvSpPr>
-        <p:spPr>
-          <a:xfrm>
-            <a:off x="5943600" y="1828800"/>
-            <a:ext cx="6400800" cy="2743200"/>
-          </a:xfrm>
-          <a:prstGeom prst="rect">
-            <a:avLst/>
-          </a:prstGeom>
-          <a:noFill/>
-        </p:spPr>
-        <p:txBody>
-          <a:bodyPr wrap="none">
-            <a:spAutoFit/>
-          </a:bodyPr>
-          <a:lstStyle/>
-          <a:p>
-            <a:r>
-              <a:t>Introduction on cars:</a:t>
-            </a:r>
-          </a:p>
-          <a:p>
-            <a:pPr>
-              <a:defRPr sz="2000">
-                <a:latin typeface="Times New Roman"/>
-              </a:defRPr>
-            </a:pPr>
-            <a:r>
-              <a:t>- It is the only domesticated species of t</a:t>
-            </a:r>
-            <a:br/>
-            <a:r>
-              <a:t>he family Felidae</a:t>
-            </a:r>
-          </a:p>
-          <a:p>
-            <a:pPr>
-              <a:defRPr sz="2000">
-                <a:latin typeface="Times New Roman"/>
-              </a:defRPr>
-            </a:pPr>
-            <a:r>
-              <a:t>- It is valued by humans for companionship</a:t>
-            </a:r>
-            <a:br/>
-            <a:r>
-              <a:t> and its ability to kill vermin</a:t>
-            </a:r>
-          </a:p>
-          <a:p>
-            <a:pPr>
-              <a:defRPr sz="2000">
-                <a:latin typeface="Times New Roman"/>
-              </a:defRPr>
-            </a:pPr>
-            <a:r>
-              <a:t>- Its retractable claws are adapted to kil</a:t>
-            </a:r>
-            <a:br/>
-            <a:r>
-              <a:t>ling small prey species such as mice and</a:t>
-            </a:r>
-            <a:br/>
-            <a:r>
-              <a:t> rats</a:t>
-            </a:r>
-          </a:p>
-          <a:p>
-            <a:pPr>
-              <a:defRPr sz="2000">
-                <a:latin typeface="Times New Roman"/>
-              </a:defRPr>
-            </a:pPr>
-            <a:r>
-              <a:t>- It is a social species, but a solitary h</a:t>
-            </a:r>
-            <a:br/>
-            <a:r>
-              <a:t>unter and a crepuscular predator.</a:t>
-            </a:r>
-          </a:p>
-        </p:txBody>
-      </p:sp>
     </p:spTree>
   </p:cSld>
   <p:clrMapOvr>
     <a:masterClrMapping/>
   </p:clrMapOvr>
-</p:sld>
-</file>
-
-<file path=ppt/slides/slide3.xml><?xml version="1.0" encoding="utf-8"?>
-<p:sld xmlns:a="http://schemas.openxmlformats.org/drawingml/2006/main" xmlns:p="http://schemas.openxmlformats.org/presentationml/2006/main" xmlns:r="http://schemas.openxmlformats.org/officeDocument/2006/relationships">
-  <p:cSld>
-    <p:spTree>
-      <p:nvGrpSpPr>
-        <p:cNvPr id="1" name=""/>
-        <p:cNvGrpSpPr/>
-        <p:nvPr/>
-      </p:nvGrpSpPr>
-      <p:grpSpPr/>
-      <p:sp>
-        <p:nvSpPr>
-          <p:cNvPr id="2" name="Title 1"/>
-          <p:cNvSpPr>
-            <a:spLocks noGrp="1"/>
-          </p:cNvSpPr>
-          <p:nvPr>
-            <p:ph type="title"/>
-          </p:nvPr>
-        </p:nvSpPr>
-        <p:spPr/>
-        <p:txBody>
-          <a:bodyPr/>
-          <a:lstStyle/>
-          <a:p>
-            <a:r>
-              <a:t>cars - Characteristics</a:t>
-            </a:r>
-          </a:p>
-        </p:txBody>
-      </p:sp>
-      <p:pic>
-        <p:nvPicPr>
-          <p:cNvPr id="3" name="Picture 2" descr="image.jpg"/>
-          <p:cNvPicPr>
-            <a:picLocks noChangeAspect="1"/>
-          </p:cNvPicPr>
-          <p:nvPr/>
-        </p:nvPicPr>
-        <p:blipFill>
-          <a:blip r:embed="rId2"/>
-          <a:stretch>
-            <a:fillRect/>
-          </a:stretch>
-        </p:blipFill>
-        <p:spPr>
-          <a:xfrm>
-            <a:off x="914400" y="1828800"/>
-            <a:ext cx="4572000" cy="2568539"/>
-          </a:xfrm>
-          <a:prstGeom prst="rect">
-            <a:avLst/>
-          </a:prstGeom>
-        </p:spPr>
-      </p:pic>
-      <p:sp>
-        <p:nvSpPr>
-          <p:cNvPr id="4" name="TextBox 3"/>
-          <p:cNvSpPr txBox="1"/>
-          <p:nvPr/>
-        </p:nvSpPr>
-        <p:spPr>
-          <a:xfrm>
-            <a:off x="5943600" y="1828800"/>
-            <a:ext cx="6400800" cy="2743200"/>
-          </a:xfrm>
-          <a:prstGeom prst="rect">
-            <a:avLst/>
-          </a:prstGeom>
-          <a:noFill/>
-        </p:spPr>
-        <p:txBody>
-          <a:bodyPr wrap="none">
-            <a:spAutoFit/>
-          </a:bodyPr>
-          <a:lstStyle/>
-          <a:p>
-            <a:r>
-              <a:t>Characteristics on cars:</a:t>
-            </a:r>
-          </a:p>
-          <a:p>
-            <a:pPr>
-              <a:defRPr sz="2000">
-                <a:latin typeface="Times New Roman"/>
-              </a:defRPr>
-            </a:pPr>
-            <a:r>
-              <a:t>- It secretes and perceives pheromones.</a:t>
-            </a:r>
-          </a:p>
-        </p:txBody>
-      </p:sp>
-    </p:spTree>
-  </p:cSld>
-  <p:clrMapOvr>
-    <a:masterClrMapping/>
-  </p:clrMapOvr>
-</p:sld>
-</file>
-
-<file path=ppt/slides/slide4.xml><?xml version="1.0" encoding="utf-8"?>
-<p:sld xmlns:a="http://schemas.openxmlformats.org/drawingml/2006/main" xmlns:p="http://schemas.openxmlformats.org/presentationml/2006/main" xmlns:r="http://schemas.openxmlformats.org/officeDocument/2006/relationships">
-  <p:cSld>
-    <p:spTree>
-      <p:nvGrpSpPr>
-        <p:cNvPr id="1" name=""/>
-        <p:cNvGrpSpPr/>
-        <p:nvPr/>
-      </p:nvGrpSpPr>
-      <p:grpSpPr/>
-      <p:sp>
-        <p:nvSpPr>
-          <p:cNvPr id="2" name="Title 1"/>
-          <p:cNvSpPr>
-            <a:spLocks noGrp="1"/>
-          </p:cNvSpPr>
-          <p:nvPr>
-            <p:ph type="title"/>
-          </p:nvPr>
-        </p:nvSpPr>
-        <p:spPr/>
-        <p:txBody>
-          <a:bodyPr/>
-          <a:lstStyle/>
-          <a:p>
-            <a:r>
-              <a:t>cars - Evolution</a:t>
-            </a:r>
-          </a:p>
-        </p:txBody>
-      </p:sp>
-      <p:pic>
-        <p:nvPicPr>
-          <p:cNvPr id="3" name="Picture 2" descr="image.jpg"/>
-          <p:cNvPicPr>
-            <a:picLocks noChangeAspect="1"/>
-          </p:cNvPicPr>
-          <p:nvPr/>
-        </p:nvPicPr>
-        <p:blipFill>
-          <a:blip r:embed="rId2"/>
-          <a:stretch>
-            <a:fillRect/>
-          </a:stretch>
-        </p:blipFill>
-        <p:spPr>
-          <a:xfrm>
-            <a:off x="914400" y="1828800"/>
-            <a:ext cx="4572000" cy="3426552"/>
-          </a:xfrm>
-          <a:prstGeom prst="rect">
-            <a:avLst/>
-          </a:prstGeom>
-        </p:spPr>
-      </p:pic>
-      <p:sp>
-        <p:nvSpPr>
-          <p:cNvPr id="4" name="TextBox 3"/>
-          <p:cNvSpPr txBox="1"/>
-          <p:nvPr/>
-        </p:nvSpPr>
-        <p:spPr>
-          <a:xfrm>
-            <a:off x="5943600" y="1828800"/>
-            <a:ext cx="6400800" cy="2743200"/>
-          </a:xfrm>
-          <a:prstGeom prst="rect">
-            <a:avLst/>
-          </a:prstGeom>
-          <a:noFill/>
-        </p:spPr>
-        <p:txBody>
-          <a:bodyPr wrap="none">
-            <a:spAutoFit/>
-          </a:bodyPr>
-          <a:lstStyle/>
-          <a:p>
-            <a:r>
-              <a:t>Evolution on cars:</a:t>
-            </a:r>
-          </a:p>
-          <a:p>
-            <a:pPr>
-              <a:defRPr sz="2000">
-                <a:latin typeface="Times New Roman"/>
-              </a:defRPr>
-            </a:pPr>
-            <a:r>
-              <a:t>- Domestic cats are bred and shown at cat </a:t>
-            </a:r>
-            <a:br/>
-            <a:r>
-              <a:t>fancy events as registered pedigreed cat</a:t>
-            </a:r>
-            <a:br/>
-            <a:r>
-              <a:t>s</a:t>
-            </a:r>
-          </a:p>
-        </p:txBody>
-      </p:sp>
-    </p:spTree>
-  </p:cSld>
-  <p:clrMapOvr>
-    <a:masterClrMapping/>
-  </p:clrMapOvr>
-</p:sld>
-</file>
-
-<file path=ppt/slides/slide5.xml><?xml version="1.0" encoding="utf-8"?>
-<p:sld xmlns:a="http://schemas.openxmlformats.org/drawingml/2006/main" xmlns:p="http://schemas.openxmlformats.org/presentationml/2006/main" xmlns:r="http://schemas.openxmlformats.org/officeDocument/2006/relationships">
-  <p:cSld>
-    <p:spTree>
-      <p:nvGrpSpPr>
-        <p:cNvPr id="1" name=""/>
-        <p:cNvGrpSpPr/>
-        <p:nvPr/>
-      </p:nvGrpSpPr>
-      <p:grpSpPr/>
-      <p:sp>
-        <p:nvSpPr>
-          <p:cNvPr id="2" name="Title 1"/>
-          <p:cNvSpPr>
-            <a:spLocks noGrp="1"/>
-          </p:cNvSpPr>
-          <p:nvPr>
-            <p:ph type="title"/>
-          </p:nvPr>
-        </p:nvSpPr>
-        <p:spPr/>
-        <p:txBody>
-          <a:bodyPr/>
-          <a:lstStyle/>
-          <a:p>
-            <a:r>
-              <a:t>cars - Importance</a:t>
-            </a:r>
-          </a:p>
-        </p:txBody>
-      </p:sp>
-      <p:pic>
-        <p:nvPicPr>
-          <p:cNvPr id="3" name="Picture 2" descr="image.jpg"/>
-          <p:cNvPicPr>
-            <a:picLocks noChangeAspect="1"/>
-          </p:cNvPicPr>
-          <p:nvPr/>
-        </p:nvPicPr>
-        <p:blipFill>
-          <a:blip r:embed="rId2"/>
-          <a:stretch>
-            <a:fillRect/>
-          </a:stretch>
-        </p:blipFill>
-        <p:spPr>
-          <a:xfrm>
-            <a:off x="914400" y="1828800"/>
-            <a:ext cx="4572000" cy="7143750"/>
-          </a:xfrm>
-          <a:prstGeom prst="rect">
-            <a:avLst/>
-          </a:prstGeom>
-        </p:spPr>
-      </p:pic>
-      <p:sp>
-        <p:nvSpPr>
-          <p:cNvPr id="4" name="TextBox 3"/>
-          <p:cNvSpPr txBox="1"/>
-          <p:nvPr/>
-        </p:nvSpPr>
-        <p:spPr>
-          <a:xfrm>
-            <a:off x="5943600" y="1828800"/>
-            <a:ext cx="6400800" cy="2743200"/>
-          </a:xfrm>
-          <a:prstGeom prst="rect">
-            <a:avLst/>
-          </a:prstGeom>
-          <a:noFill/>
-        </p:spPr>
-        <p:txBody>
-          <a:bodyPr wrap="none">
-            <a:spAutoFit/>
-          </a:bodyPr>
-          <a:lstStyle/>
-          <a:p>
-            <a:r>
-              <a:t>Importance on cars:</a:t>
-            </a:r>
-          </a:p>
-          <a:p>
-            <a:pPr>
-              <a:defRPr sz="2000">
-                <a:latin typeface="Times New Roman"/>
-              </a:defRPr>
-            </a:pPr>
-            <a:r>
-              <a:t>- Domestic cats are found across the globe</a:t>
-            </a:r>
-            <a:br/>
-            <a:r>
-              <a:t>, though their popularity as pets varies</a:t>
-            </a:r>
-            <a:br/>
-            <a:r>
-              <a:t> by region</a:t>
-            </a:r>
-          </a:p>
-          <a:p>
-            <a:pPr>
-              <a:defRPr sz="2000">
-                <a:latin typeface="Times New Roman"/>
-              </a:defRPr>
-            </a:pPr>
-            <a:r>
-              <a:t>- In the United Kingdom, approximately 10.</a:t>
-            </a:r>
-            <a:br/>
-            <a:r>
-              <a:t>9 million domestic cats are kept as pets</a:t>
-            </a:r>
-            <a:br/>
-            <a:r>
-              <a:t>.</a:t>
-            </a:r>
-          </a:p>
-        </p:txBody>
-      </p:sp>
-    </p:spTree>
-  </p:cSld>
-  <p:clrMapOvr>
-    <a:masterClrMapping/>
-  </p:clrMapOvr>
-</p:sld>
-</file>
-
-<file path=ppt/slides/slide6.xml><?xml version="1.0" encoding="utf-8"?>
-<p:sld xmlns:a="http://schemas.openxmlformats.org/drawingml/2006/main" xmlns:p="http://schemas.openxmlformats.org/presentationml/2006/main" xmlns:r="http://schemas.openxmlformats.org/officeDocument/2006/relationships">
-  <p:cSld>
-    <p:spTree>
-      <p:nvGrpSpPr>
-        <p:cNvPr id="1" name=""/>
-        <p:cNvGrpSpPr/>
-        <p:nvPr/>
-      </p:nvGrpSpPr>
-      <p:grpSpPr/>
-      <p:sp>
-        <p:nvSpPr>
-          <p:cNvPr id="2" name="Title 1"/>
-          <p:cNvSpPr>
-            <a:spLocks noGrp="1"/>
-          </p:cNvSpPr>
-          <p:nvPr>
-            <p:ph type="title"/>
-          </p:nvPr>
-        </p:nvSpPr>
-        <p:spPr/>
-        <p:txBody>
-          <a:bodyPr/>
-          <a:lstStyle/>
-          <a:p>
-            <a:r>
-              <a:t>cars - Future Trends</a:t>
-            </a:r>
-          </a:p>
-        </p:txBody>
-      </p:sp>
-      <p:pic>
-        <p:nvPicPr>
-          <p:cNvPr id="3" name="Picture 2" descr="image.jpg"/>
-          <p:cNvPicPr>
-            <a:picLocks noChangeAspect="1"/>
-          </p:cNvPicPr>
-          <p:nvPr/>
-        </p:nvPicPr>
-        <p:blipFill>
-          <a:blip r:embed="rId2"/>
-          <a:stretch>
-            <a:fillRect/>
-          </a:stretch>
-        </p:blipFill>
-        <p:spPr>
-          <a:xfrm>
-            <a:off x="914400" y="1828800"/>
-            <a:ext cx="4572000" cy="2857500"/>
-          </a:xfrm>
-          <a:prstGeom prst="rect">
-            <a:avLst/>
-          </a:prstGeom>
-        </p:spPr>
-      </p:pic>
-      <p:sp>
-        <p:nvSpPr>
-          <p:cNvPr id="4" name="TextBox 3"/>
-          <p:cNvSpPr txBox="1"/>
-          <p:nvPr/>
-        </p:nvSpPr>
-        <p:spPr>
-          <a:xfrm>
-            <a:off x="5943600" y="1828800"/>
-            <a:ext cx="6400800" cy="2743200"/>
-          </a:xfrm>
-          <a:prstGeom prst="rect">
-            <a:avLst/>
-          </a:prstGeom>
-          <a:noFill/>
-        </p:spPr>
-        <p:txBody>
-          <a:bodyPr wrap="none">
-            <a:spAutoFit/>
-          </a:bodyPr>
-          <a:lstStyle/>
-          <a:p>
-            <a:r>
-              <a:t>Future Trends on cars:</a:t>
-            </a:r>
-          </a:p>
-          <a:p>
-            <a:pPr>
-              <a:defRPr sz="2000">
-                <a:latin typeface="Times New Roman"/>
-              </a:defRPr>
-            </a:pPr>
-            <a:r>
-              <a:t>- The Late Latin word may be derived from </a:t>
-            </a:r>
-            <a:br/>
-            <a:r>
-              <a:t>an unidentified African language</a:t>
-            </a:r>
-          </a:p>
-          <a:p>
-            <a:pPr>
-              <a:defRPr sz="2000">
-                <a:latin typeface="Times New Roman"/>
-              </a:defRPr>
-            </a:pPr>
-            <a:r>
-              <a:t>- The Nubian word kaddîska wildcat and Nob</a:t>
-            </a:r>
-            <a:br/>
-            <a:r>
-              <a:t>iin kadīs are possible sources or cognat</a:t>
-            </a:r>
-            <a:br/>
-            <a:r>
-              <a:t>es.</a:t>
-            </a:r>
-          </a:p>
-        </p:txBody>
-      </p:sp>
-    </p:spTree>
-  </p:cSld>
-  <p:clrMapOvr>
-    <a:masterClrMapping/>
-  </p:clrMapOvr>
+  <p:timing>
+    <p:tnLst>
+      <p:par>
+        <p:cTn id="1" dur="indefinite" restart="never" nodeType="tmRoot">
+          <p:childTnLst>
+            <p:video>
+              <p:cMediaNode vol="80000">
+                <p:cTn id="2" fill="hold" display="0">
+                  <p:stCondLst>
+                    <p:cond delay="indefinite"/>
+                  </p:stCondLst>
+                </p:cTn>
+                <p:tgtEl>
+                  <p:spTgt spid="4"/>
+                </p:tgtEl>
+              </p:cMediaNode>
+            </p:video>
+          </p:childTnLst>
+        </p:cTn>
+      </p:par>
+    </p:tnLst>
+  </p:timing>
 </p:sld>
 </file>
 
